--- a/4 ⚙️ Solution/20 🧑‍🦰 UI/27 💼 Consumers/.📎 Assets/🗄️ .pptx
+++ b/4 ⚙️ Solution/20 🧑‍🦰 UI/27 💼 Consumers/.📎 Assets/🗄️ .pptx
@@ -716,7 +716,7 @@
           <a:p>
             <a:fld id="{542F96DF-134D-4F6A-BFA6-E032E504EEEB}" type="datetime8">
               <a:rPr lang="en-US" smtClean="0"/>
-              <a:t>9/12/25 9:30 AM</a:t>
+              <a:t>9/26/25 3:38 AM</a:t>
             </a:fld>
             <a:endParaRPr lang="en-US" dirty="0"/>
           </a:p>
@@ -5261,46 +5261,6 @@
           </a:p>
         </p:txBody>
       </p:sp>
-      <p:sp>
-        <p:nvSpPr>
-          <p:cNvPr id="7" name="TextBox 6">
-            <a:extLst>
-              <a:ext uri="{FF2B5EF4-FFF2-40B4-BE49-F238E27FC236}">
-                <a16:creationId xmlns:a16="http://schemas.microsoft.com/office/drawing/2014/main" id="{8E1BC27B-549F-D343-E8BC-7EF92187BC54}"/>
-              </a:ext>
-            </a:extLst>
-          </p:cNvPr>
-          <p:cNvSpPr txBox="1"/>
-          <p:nvPr/>
-        </p:nvSpPr>
-        <p:spPr>
-          <a:xfrm>
-            <a:off x="178670" y="6248084"/>
-            <a:ext cx="1920398" cy="523220"/>
-          </a:xfrm>
-          <a:prstGeom prst="rect">
-            <a:avLst/>
-          </a:prstGeom>
-          <a:noFill/>
-        </p:spPr>
-        <p:txBody>
-          <a:bodyPr wrap="none" lIns="0" rIns="0" rtlCol="0">
-            <a:spAutoFit/>
-          </a:bodyPr>
-          <a:lstStyle/>
-          <a:p>
-            <a:pPr algn="l"/>
-            <a:r>
-              <a:rPr lang="en-GB" sz="2800" dirty="0">
-                <a:solidFill>
-                  <a:srgbClr val="FFFF00"/>
-                </a:solidFill>
-              </a:rPr>
-              <a:t>CONSUMER</a:t>
-            </a:r>
-          </a:p>
-        </p:txBody>
-      </p:sp>
     </p:spTree>
     <p:extLst>
       <p:ext uri="{BB962C8B-B14F-4D97-AF65-F5344CB8AC3E}">
